--- a/PICO Contest/Design_Review.pptx
+++ b/PICO Contest/Design_Review.pptx
@@ -10243,7 +10243,25 @@
           <a:bodyPr/>
           <a:lstStyle/>
           <a:p>
-            <a:endParaRPr lang="de-AT"/>
+            <a:pPr marL="0" indent="0">
+              <a:buNone/>
+            </a:pPr>
+            <a:r>
+              <a:rPr lang="de-AT" dirty="0" err="1"/>
+              <a:t>tt</a:t>
+            </a:r>
+            <a:r>
+              <a:rPr lang="de-AT" dirty="0"/>
+              <a:t> </a:t>
+            </a:r>
+            <a:r>
+              <a:rPr lang="de-AT" dirty="0" err="1"/>
+              <a:t>corner</a:t>
+            </a:r>
+            <a:r>
+              <a:rPr lang="de-AT" dirty="0"/>
+              <a:t> at -40/+125 °C</a:t>
+            </a:r>
           </a:p>
         </p:txBody>
       </p:sp>
@@ -10272,6 +10290,78 @@
           </a:p>
         </p:txBody>
       </p:sp>
+      <p:pic>
+        <p:nvPicPr>
+          <p:cNvPr id="5" name="Inhaltsplatzhalter 4">
+            <a:extLst>
+              <a:ext uri="{FF2B5EF4-FFF2-40B4-BE49-F238E27FC236}">
+                <a16:creationId xmlns:a16="http://schemas.microsoft.com/office/drawing/2014/main" id="{127F978D-3E3F-232C-6D6A-4A61016C4B32}"/>
+              </a:ext>
+            </a:extLst>
+          </p:cNvPr>
+          <p:cNvPicPr>
+            <a:picLocks noChangeAspect="1"/>
+          </p:cNvPicPr>
+          <p:nvPr/>
+        </p:nvPicPr>
+        <p:blipFill>
+          <a:blip r:embed="rId2">
+            <a:extLst>
+              <a:ext uri="{28A0092B-C50C-407E-A947-70E740481C1C}">
+                <a14:useLocalDpi xmlns:a14="http://schemas.microsoft.com/office/drawing/2010/main" val="0"/>
+              </a:ext>
+            </a:extLst>
+          </a:blip>
+          <a:stretch>
+            <a:fillRect/>
+          </a:stretch>
+        </p:blipFill>
+        <p:spPr>
+          <a:xfrm>
+            <a:off x="0" y="2246623"/>
+            <a:ext cx="6081745" cy="3972972"/>
+          </a:xfrm>
+          <a:prstGeom prst="rect">
+            <a:avLst/>
+          </a:prstGeom>
+        </p:spPr>
+      </p:pic>
+      <p:pic>
+        <p:nvPicPr>
+          <p:cNvPr id="6" name="Grafik 5">
+            <a:extLst>
+              <a:ext uri="{FF2B5EF4-FFF2-40B4-BE49-F238E27FC236}">
+                <a16:creationId xmlns:a16="http://schemas.microsoft.com/office/drawing/2014/main" id="{F2F0DC0F-2F47-0E15-96B2-D6295EF48155}"/>
+              </a:ext>
+            </a:extLst>
+          </p:cNvPr>
+          <p:cNvPicPr>
+            <a:picLocks noChangeAspect="1"/>
+          </p:cNvPicPr>
+          <p:nvPr/>
+        </p:nvPicPr>
+        <p:blipFill>
+          <a:blip r:embed="rId3">
+            <a:extLst>
+              <a:ext uri="{28A0092B-C50C-407E-A947-70E740481C1C}">
+                <a14:useLocalDpi xmlns:a14="http://schemas.microsoft.com/office/drawing/2010/main" val="0"/>
+              </a:ext>
+            </a:extLst>
+          </a:blip>
+          <a:stretch>
+            <a:fillRect/>
+          </a:stretch>
+        </p:blipFill>
+        <p:spPr>
+          <a:xfrm>
+            <a:off x="6161788" y="2246622"/>
+            <a:ext cx="6030211" cy="3972973"/>
+          </a:xfrm>
+          <a:prstGeom prst="rect">
+            <a:avLst/>
+          </a:prstGeom>
+        </p:spPr>
+      </p:pic>
     </p:spTree>
     <p:extLst>
       <p:ext uri="{BB962C8B-B14F-4D97-AF65-F5344CB8AC3E}">
@@ -10364,7 +10454,81 @@
           <a:bodyPr/>
           <a:lstStyle/>
           <a:p>
-            <a:endParaRPr lang="de-AT"/>
+            <a:pPr marL="0" indent="0">
+              <a:buNone/>
+            </a:pPr>
+            <a:r>
+              <a:rPr lang="de-AT" dirty="0" err="1"/>
+              <a:t>Increase</a:t>
+            </a:r>
+            <a:r>
+              <a:rPr lang="de-AT" dirty="0"/>
+              <a:t> – </a:t>
+            </a:r>
+            <a:r>
+              <a:rPr lang="de-AT" dirty="0" err="1"/>
+              <a:t>decrease</a:t>
+            </a:r>
+            <a:r>
+              <a:rPr lang="de-AT" dirty="0"/>
+              <a:t> – </a:t>
+            </a:r>
+            <a:r>
+              <a:rPr lang="de-AT" dirty="0" err="1"/>
+              <a:t>locked</a:t>
+            </a:r>
+            <a:r>
+              <a:rPr lang="de-AT" dirty="0"/>
+              <a:t> – </a:t>
+            </a:r>
+            <a:r>
+              <a:rPr lang="de-AT" dirty="0" err="1"/>
+              <a:t>increase</a:t>
+            </a:r>
+            <a:r>
+              <a:rPr lang="de-AT" dirty="0"/>
+              <a:t> </a:t>
+            </a:r>
+            <a:r>
+              <a:rPr lang="de-AT" dirty="0" err="1"/>
+              <a:t>until</a:t>
+            </a:r>
+            <a:r>
+              <a:rPr lang="de-AT" dirty="0"/>
+              <a:t> </a:t>
+            </a:r>
+            <a:r>
+              <a:rPr lang="de-AT" dirty="0" err="1"/>
+              <a:t>overflow</a:t>
+            </a:r>
+            <a:r>
+              <a:rPr lang="de-AT" dirty="0"/>
+              <a:t> (</a:t>
+            </a:r>
+            <a:r>
+              <a:rPr lang="de-AT" dirty="0" err="1"/>
+              <a:t>next</a:t>
+            </a:r>
+            <a:r>
+              <a:rPr lang="de-AT" dirty="0"/>
+              <a:t> </a:t>
+            </a:r>
+            <a:r>
+              <a:rPr lang="de-AT" dirty="0" err="1"/>
+              <a:t>corner</a:t>
+            </a:r>
+            <a:r>
+              <a:rPr lang="de-AT" dirty="0"/>
+              <a:t> </a:t>
+            </a:r>
+            <a:r>
+              <a:rPr lang="de-AT" dirty="0" err="1"/>
+              <a:t>case</a:t>
+            </a:r>
+            <a:r>
+              <a:rPr lang="de-AT" dirty="0"/>
+              <a:t>)</a:t>
+            </a:r>
           </a:p>
         </p:txBody>
       </p:sp>
@@ -10393,6 +10557,36 @@
           </a:p>
         </p:txBody>
       </p:sp>
+      <p:pic>
+        <p:nvPicPr>
+          <p:cNvPr id="6" name="Grafik 5">
+            <a:extLst>
+              <a:ext uri="{FF2B5EF4-FFF2-40B4-BE49-F238E27FC236}">
+                <a16:creationId xmlns:a16="http://schemas.microsoft.com/office/drawing/2014/main" id="{EF072532-DC93-CDAC-1C12-366CC67A17BF}"/>
+              </a:ext>
+            </a:extLst>
+          </p:cNvPr>
+          <p:cNvPicPr>
+            <a:picLocks noChangeAspect="1"/>
+          </p:cNvPicPr>
+          <p:nvPr/>
+        </p:nvPicPr>
+        <p:blipFill>
+          <a:blip r:embed="rId2"/>
+          <a:stretch>
+            <a:fillRect/>
+          </a:stretch>
+        </p:blipFill>
+        <p:spPr>
+          <a:xfrm>
+            <a:off x="0" y="2170057"/>
+            <a:ext cx="12192000" cy="4111944"/>
+          </a:xfrm>
+          <a:prstGeom prst="rect">
+            <a:avLst/>
+          </a:prstGeom>
+        </p:spPr>
+      </p:pic>
     </p:spTree>
     <p:extLst>
       <p:ext uri="{BB962C8B-B14F-4D97-AF65-F5344CB8AC3E}">
@@ -10480,7 +10674,26 @@
           <a:bodyPr/>
           <a:lstStyle/>
           <a:p>
-            <a:endParaRPr lang="de-AT"/>
+            <a:r>
+              <a:rPr lang="de-AT" dirty="0"/>
+              <a:t>[</a:t>
+            </a:r>
+            <a:r>
+              <a:rPr lang="de-AT" dirty="0" err="1"/>
+              <a:t>work</a:t>
+            </a:r>
+            <a:r>
+              <a:rPr lang="de-AT" dirty="0"/>
+              <a:t> in </a:t>
+            </a:r>
+            <a:r>
+              <a:rPr lang="de-AT" dirty="0" err="1"/>
+              <a:t>progress</a:t>
+            </a:r>
+            <a:r>
+              <a:rPr lang="de-AT" dirty="0"/>
+              <a:t>]</a:t>
+            </a:r>
           </a:p>
         </p:txBody>
       </p:sp>
@@ -10609,7 +10822,53 @@
           <a:bodyPr/>
           <a:lstStyle/>
           <a:p>
-            <a:endParaRPr lang="de-AT"/>
+            <a:pPr marL="0" indent="0">
+              <a:buNone/>
+            </a:pPr>
+            <a:r>
+              <a:rPr lang="de-AT" dirty="0"/>
+              <a:t>4 </a:t>
+            </a:r>
+            <a:r>
+              <a:rPr lang="de-AT" dirty="0" err="1"/>
+              <a:t>times</a:t>
+            </a:r>
+            <a:r>
+              <a:rPr lang="de-AT" dirty="0"/>
+              <a:t> </a:t>
+            </a:r>
+            <a:r>
+              <a:rPr lang="de-AT" dirty="0" err="1"/>
+              <a:t>custom</a:t>
+            </a:r>
+            <a:r>
+              <a:rPr lang="de-AT" dirty="0"/>
+              <a:t> div2 </a:t>
+            </a:r>
+            <a:r>
+              <a:rPr lang="de-AT" dirty="0" err="1"/>
+              <a:t>divider</a:t>
+            </a:r>
+            <a:r>
+              <a:rPr lang="de-AT" dirty="0"/>
+              <a:t>				</a:t>
+            </a:r>
+            <a:r>
+              <a:rPr lang="de-AT" dirty="0" err="1"/>
+              <a:t>reference</a:t>
+            </a:r>
+            <a:r>
+              <a:rPr lang="de-AT" dirty="0"/>
+              <a:t> </a:t>
+            </a:r>
+            <a:r>
+              <a:rPr lang="de-AT" dirty="0" err="1"/>
+              <a:t>divider</a:t>
+            </a:r>
+            <a:r>
+              <a:rPr lang="de-AT" dirty="0"/>
+              <a:t> div5/div10</a:t>
+            </a:r>
           </a:p>
         </p:txBody>
       </p:sp>
@@ -10638,6 +10897,78 @@
           </a:p>
         </p:txBody>
       </p:sp>
+      <p:pic>
+        <p:nvPicPr>
+          <p:cNvPr id="5" name="Grafik 4">
+            <a:extLst>
+              <a:ext uri="{FF2B5EF4-FFF2-40B4-BE49-F238E27FC236}">
+                <a16:creationId xmlns:a16="http://schemas.microsoft.com/office/drawing/2014/main" id="{C7F603BA-2445-ADDA-D528-FA4EA6ABBBBC}"/>
+              </a:ext>
+            </a:extLst>
+          </p:cNvPr>
+          <p:cNvPicPr>
+            <a:picLocks noChangeAspect="1"/>
+          </p:cNvPicPr>
+          <p:nvPr/>
+        </p:nvPicPr>
+        <p:blipFill>
+          <a:blip r:embed="rId2">
+            <a:extLst>
+              <a:ext uri="{28A0092B-C50C-407E-A947-70E740481C1C}">
+                <a14:useLocalDpi xmlns:a14="http://schemas.microsoft.com/office/drawing/2010/main" val="0"/>
+              </a:ext>
+            </a:extLst>
+          </a:blip>
+          <a:stretch>
+            <a:fillRect/>
+          </a:stretch>
+        </p:blipFill>
+        <p:spPr>
+          <a:xfrm>
+            <a:off x="0" y="2637101"/>
+            <a:ext cx="5627126" cy="3644900"/>
+          </a:xfrm>
+          <a:prstGeom prst="rect">
+            <a:avLst/>
+          </a:prstGeom>
+        </p:spPr>
+      </p:pic>
+      <p:pic>
+        <p:nvPicPr>
+          <p:cNvPr id="7" name="Grafik 6">
+            <a:extLst>
+              <a:ext uri="{FF2B5EF4-FFF2-40B4-BE49-F238E27FC236}">
+                <a16:creationId xmlns:a16="http://schemas.microsoft.com/office/drawing/2014/main" id="{52F53A04-B691-220F-2606-30F1DE50F3DE}"/>
+              </a:ext>
+            </a:extLst>
+          </p:cNvPr>
+          <p:cNvPicPr>
+            <a:picLocks noChangeAspect="1"/>
+          </p:cNvPicPr>
+          <p:nvPr/>
+        </p:nvPicPr>
+        <p:blipFill>
+          <a:blip r:embed="rId3">
+            <a:extLst>
+              <a:ext uri="{28A0092B-C50C-407E-A947-70E740481C1C}">
+                <a14:useLocalDpi xmlns:a14="http://schemas.microsoft.com/office/drawing/2010/main" val="0"/>
+              </a:ext>
+            </a:extLst>
+          </a:blip>
+          <a:stretch>
+            <a:fillRect/>
+          </a:stretch>
+        </p:blipFill>
+        <p:spPr>
+          <a:xfrm>
+            <a:off x="6564874" y="2637101"/>
+            <a:ext cx="5627126" cy="3641376"/>
+          </a:xfrm>
+          <a:prstGeom prst="rect">
+            <a:avLst/>
+          </a:prstGeom>
+        </p:spPr>
+      </p:pic>
     </p:spTree>
     <p:extLst>
       <p:ext uri="{BB962C8B-B14F-4D97-AF65-F5344CB8AC3E}">
@@ -11490,6 +11821,84 @@
               <a:t>:</a:t>
             </a:r>
           </a:p>
+          <a:p>
+            <a:pPr marL="0" indent="0">
+              <a:buNone/>
+            </a:pPr>
+            <a:endParaRPr lang="de-AT" dirty="0"/>
+          </a:p>
+          <a:p>
+            <a:r>
+              <a:rPr lang="de-AT" dirty="0"/>
+              <a:t>FLL </a:t>
+            </a:r>
+            <a:r>
+              <a:rPr lang="de-AT" dirty="0" err="1"/>
+              <a:t>control</a:t>
+            </a:r>
+            <a:r>
+              <a:rPr lang="de-AT" dirty="0"/>
+              <a:t> – 85x95µm </a:t>
+            </a:r>
+          </a:p>
+          <a:p>
+            <a:pPr marL="0" indent="0">
+              <a:buNone/>
+            </a:pPr>
+            <a:endParaRPr lang="de-AT" dirty="0"/>
+          </a:p>
+          <a:p>
+            <a:r>
+              <a:rPr lang="de-AT" dirty="0" err="1"/>
+              <a:t>Dividers</a:t>
+            </a:r>
+            <a:r>
+              <a:rPr lang="de-AT" dirty="0"/>
+              <a:t>/shift </a:t>
+            </a:r>
+            <a:r>
+              <a:rPr lang="de-AT" dirty="0" err="1"/>
+              <a:t>register</a:t>
+            </a:r>
+            <a:r>
+              <a:rPr lang="de-AT" dirty="0"/>
+              <a:t> – 120x130µm</a:t>
+            </a:r>
+          </a:p>
+          <a:p>
+            <a:endParaRPr lang="de-AT" dirty="0"/>
+          </a:p>
+          <a:p>
+            <a:endParaRPr lang="de-AT" dirty="0"/>
+          </a:p>
+          <a:p>
+            <a:endParaRPr lang="de-AT" dirty="0"/>
+          </a:p>
+          <a:p>
+            <a:endParaRPr lang="de-AT" dirty="0"/>
+          </a:p>
+          <a:p>
+            <a:r>
+              <a:rPr lang="de-AT" dirty="0"/>
+              <a:t>Very </a:t>
+            </a:r>
+            <a:r>
+              <a:rPr lang="de-AT" dirty="0" err="1"/>
+              <a:t>rough</a:t>
+            </a:r>
+            <a:r>
+              <a:rPr lang="de-AT" dirty="0"/>
+              <a:t> total </a:t>
+            </a:r>
+            <a:r>
+              <a:rPr lang="de-AT" dirty="0" err="1"/>
+              <a:t>estimate</a:t>
+            </a:r>
+            <a:r>
+              <a:rPr lang="de-AT" dirty="0"/>
+              <a:t> – 250x300µm</a:t>
+            </a:r>
+          </a:p>
         </p:txBody>
       </p:sp>
       <p:sp>
@@ -11535,8 +11944,52 @@
             </a:pPr>
             <a:endParaRPr lang="de-AT" dirty="0"/>
           </a:p>
-        </p:txBody>
-      </p:sp>
+          <a:p>
+            <a:r>
+              <a:rPr lang="de-AT" dirty="0"/>
+              <a:t>VCO </a:t>
+            </a:r>
+            <a:r>
+              <a:rPr lang="de-AT" dirty="0" err="1"/>
+              <a:t>core</a:t>
+            </a:r>
+            <a:r>
+              <a:rPr lang="de-AT" dirty="0"/>
+              <a:t> – 70x90µm</a:t>
+            </a:r>
+          </a:p>
+        </p:txBody>
+      </p:sp>
+      <p:pic>
+        <p:nvPicPr>
+          <p:cNvPr id="4" name="Grafik 3">
+            <a:extLst>
+              <a:ext uri="{FF2B5EF4-FFF2-40B4-BE49-F238E27FC236}">
+                <a16:creationId xmlns:a16="http://schemas.microsoft.com/office/drawing/2014/main" id="{68F53D6D-0A7A-D554-9ED2-B146423A7147}"/>
+              </a:ext>
+            </a:extLst>
+          </p:cNvPr>
+          <p:cNvPicPr>
+            <a:picLocks noChangeAspect="1"/>
+          </p:cNvPicPr>
+          <p:nvPr/>
+        </p:nvPicPr>
+        <p:blipFill>
+          <a:blip r:embed="rId2"/>
+          <a:stretch>
+            <a:fillRect/>
+          </a:stretch>
+        </p:blipFill>
+        <p:spPr>
+          <a:xfrm>
+            <a:off x="7478324" y="3048287"/>
+            <a:ext cx="4131676" cy="3506670"/>
+          </a:xfrm>
+          <a:prstGeom prst="rect">
+            <a:avLst/>
+          </a:prstGeom>
+        </p:spPr>
+      </p:pic>
     </p:spTree>
     <p:extLst>
       <p:ext uri="{BB962C8B-B14F-4D97-AF65-F5344CB8AC3E}">
@@ -17006,31 +17459,6 @@
       </p:sp>
       <p:sp>
         <p:nvSpPr>
-          <p:cNvPr id="6" name="Inhaltsplatzhalter 5">
-            <a:extLst>
-              <a:ext uri="{FF2B5EF4-FFF2-40B4-BE49-F238E27FC236}">
-                <a16:creationId xmlns:a16="http://schemas.microsoft.com/office/drawing/2014/main" id="{7A14FB01-458F-9185-A37F-8619A40C729B}"/>
-              </a:ext>
-            </a:extLst>
-          </p:cNvPr>
-          <p:cNvSpPr>
-            <a:spLocks noGrp="1"/>
-          </p:cNvSpPr>
-          <p:nvPr>
-            <p:ph idx="1"/>
-          </p:nvPr>
-        </p:nvSpPr>
-        <p:spPr/>
-        <p:txBody>
-          <a:bodyPr/>
-          <a:lstStyle/>
-          <a:p>
-            <a:endParaRPr lang="de-AT"/>
-          </a:p>
-        </p:txBody>
-      </p:sp>
-      <p:sp>
-        <p:nvSpPr>
           <p:cNvPr id="7" name="Textplatzhalter 6">
             <a:extLst>
               <a:ext uri="{FF2B5EF4-FFF2-40B4-BE49-F238E27FC236}">
@@ -17054,6 +17482,42 @@
           </a:p>
         </p:txBody>
       </p:sp>
+      <p:pic>
+        <p:nvPicPr>
+          <p:cNvPr id="3" name="Grafik 2" descr="Ein Bild, das Text, Elektronik enthält.&#10;&#10;Automatisch generierte Beschreibung">
+            <a:extLst>
+              <a:ext uri="{FF2B5EF4-FFF2-40B4-BE49-F238E27FC236}">
+                <a16:creationId xmlns:a16="http://schemas.microsoft.com/office/drawing/2014/main" id="{E35EC7CB-0BAC-77D3-89D6-4BA9737597A1}"/>
+              </a:ext>
+            </a:extLst>
+          </p:cNvPr>
+          <p:cNvPicPr>
+            <a:picLocks noChangeAspect="1"/>
+          </p:cNvPicPr>
+          <p:nvPr/>
+        </p:nvPicPr>
+        <p:blipFill>
+          <a:blip r:embed="rId2">
+            <a:extLst>
+              <a:ext uri="{28A0092B-C50C-407E-A947-70E740481C1C}">
+                <a14:useLocalDpi xmlns:a14="http://schemas.microsoft.com/office/drawing/2010/main" val="0"/>
+              </a:ext>
+            </a:extLst>
+          </a:blip>
+          <a:stretch>
+            <a:fillRect/>
+          </a:stretch>
+        </p:blipFill>
+        <p:spPr>
+          <a:xfrm>
+            <a:off x="1253490" y="1258770"/>
+            <a:ext cx="9685020" cy="4907280"/>
+          </a:xfrm>
+          <a:prstGeom prst="rect">
+            <a:avLst/>
+          </a:prstGeom>
+        </p:spPr>
+      </p:pic>
     </p:spTree>
     <p:extLst>
       <p:ext uri="{BB962C8B-B14F-4D97-AF65-F5344CB8AC3E}">
@@ -17146,7 +17610,210 @@
           <a:bodyPr/>
           <a:lstStyle/>
           <a:p>
+            <a:pPr>
+              <a:lnSpc>
+                <a:spcPct val="200000"/>
+              </a:lnSpc>
+            </a:pPr>
+            <a:r>
+              <a:rPr lang="de-AT" dirty="0" err="1"/>
+              <a:t>Divided</a:t>
+            </a:r>
+            <a:r>
+              <a:rPr lang="de-AT" dirty="0"/>
+              <a:t> </a:t>
+            </a:r>
+            <a:r>
+              <a:rPr lang="de-AT" dirty="0" err="1"/>
+              <a:t>output</a:t>
+            </a:r>
+            <a:r>
+              <a:rPr lang="de-AT" dirty="0"/>
+              <a:t> </a:t>
+            </a:r>
+            <a:r>
+              <a:rPr lang="de-AT" dirty="0" err="1"/>
+              <a:t>frequency</a:t>
+            </a:r>
+            <a:r>
+              <a:rPr lang="de-AT" dirty="0"/>
+              <a:t> </a:t>
+            </a:r>
+            <a:r>
+              <a:rPr lang="de-AT" dirty="0" err="1"/>
+              <a:t>captured</a:t>
+            </a:r>
+            <a:r>
+              <a:rPr lang="de-AT" dirty="0"/>
+              <a:t> </a:t>
+            </a:r>
+            <a:r>
+              <a:rPr lang="de-AT" dirty="0" err="1"/>
+              <a:t>by</a:t>
+            </a:r>
+            <a:r>
+              <a:rPr lang="de-AT" dirty="0"/>
+              <a:t> </a:t>
+            </a:r>
+            <a:r>
+              <a:rPr lang="de-AT" dirty="0" err="1"/>
+              <a:t>counter</a:t>
+            </a:r>
             <a:endParaRPr lang="de-AT" dirty="0"/>
+          </a:p>
+          <a:p>
+            <a:pPr>
+              <a:lnSpc>
+                <a:spcPct val="200000"/>
+              </a:lnSpc>
+            </a:pPr>
+            <a:r>
+              <a:rPr lang="de-AT" dirty="0"/>
+              <a:t>Counter </a:t>
+            </a:r>
+            <a:r>
+              <a:rPr lang="de-AT" dirty="0" err="1"/>
+              <a:t>value</a:t>
+            </a:r>
+            <a:r>
+              <a:rPr lang="de-AT" dirty="0"/>
+              <a:t> </a:t>
+            </a:r>
+            <a:r>
+              <a:rPr lang="de-AT" dirty="0" err="1"/>
+              <a:t>is</a:t>
+            </a:r>
+            <a:r>
+              <a:rPr lang="de-AT" dirty="0"/>
+              <a:t> </a:t>
+            </a:r>
+            <a:r>
+              <a:rPr lang="de-AT" dirty="0" err="1"/>
+              <a:t>compared</a:t>
+            </a:r>
+            <a:r>
+              <a:rPr lang="de-AT" dirty="0"/>
+              <a:t> </a:t>
+            </a:r>
+            <a:r>
+              <a:rPr lang="de-AT" dirty="0" err="1"/>
+              <a:t>to</a:t>
+            </a:r>
+            <a:r>
+              <a:rPr lang="de-AT" dirty="0"/>
+              <a:t> </a:t>
+            </a:r>
+            <a:r>
+              <a:rPr lang="de-AT" dirty="0" err="1"/>
+              <a:t>defined</a:t>
+            </a:r>
+            <a:r>
+              <a:rPr lang="de-AT" dirty="0"/>
+              <a:t> </a:t>
+            </a:r>
+            <a:r>
+              <a:rPr lang="de-AT" dirty="0" err="1"/>
+              <a:t>value</a:t>
+            </a:r>
+            <a:endParaRPr lang="de-AT" dirty="0"/>
+          </a:p>
+          <a:p>
+            <a:pPr>
+              <a:lnSpc>
+                <a:spcPct val="200000"/>
+              </a:lnSpc>
+            </a:pPr>
+            <a:r>
+              <a:rPr lang="de-AT" dirty="0"/>
+              <a:t>DAC </a:t>
+            </a:r>
+            <a:r>
+              <a:rPr lang="de-AT" dirty="0" err="1"/>
+              <a:t>provides</a:t>
+            </a:r>
+            <a:r>
+              <a:rPr lang="de-AT" dirty="0"/>
+              <a:t> </a:t>
+            </a:r>
+            <a:r>
+              <a:rPr lang="de-AT" dirty="0" err="1"/>
+              <a:t>control</a:t>
+            </a:r>
+            <a:r>
+              <a:rPr lang="de-AT" dirty="0"/>
+              <a:t> </a:t>
+            </a:r>
+            <a:r>
+              <a:rPr lang="de-AT" dirty="0" err="1"/>
+              <a:t>voltage</a:t>
+            </a:r>
+            <a:r>
+              <a:rPr lang="de-AT" dirty="0"/>
+              <a:t> </a:t>
+            </a:r>
+            <a:r>
+              <a:rPr lang="de-AT" dirty="0" err="1"/>
+              <a:t>to</a:t>
+            </a:r>
+            <a:r>
+              <a:rPr lang="de-AT" dirty="0"/>
+              <a:t> VCO</a:t>
+            </a:r>
+          </a:p>
+          <a:p>
+            <a:pPr>
+              <a:lnSpc>
+                <a:spcPct val="200000"/>
+              </a:lnSpc>
+            </a:pPr>
+            <a:r>
+              <a:rPr lang="de-AT" dirty="0" err="1"/>
+              <a:t>Switching</a:t>
+            </a:r>
+            <a:r>
+              <a:rPr lang="de-AT" dirty="0"/>
+              <a:t> </a:t>
+            </a:r>
+            <a:r>
+              <a:rPr lang="de-AT" dirty="0" err="1"/>
+              <a:t>between</a:t>
+            </a:r>
+            <a:r>
+              <a:rPr lang="de-AT" dirty="0"/>
+              <a:t> </a:t>
+            </a:r>
+            <a:r>
+              <a:rPr lang="de-AT" dirty="0" err="1"/>
+              <a:t>process</a:t>
+            </a:r>
+            <a:r>
+              <a:rPr lang="de-AT" dirty="0"/>
+              <a:t> </a:t>
+            </a:r>
+            <a:r>
+              <a:rPr lang="de-AT" dirty="0" err="1"/>
+              <a:t>corners</a:t>
+            </a:r>
+            <a:r>
+              <a:rPr lang="de-AT" dirty="0"/>
+              <a:t> </a:t>
+            </a:r>
+            <a:r>
+              <a:rPr lang="de-AT" dirty="0" err="1"/>
+              <a:t>ss</a:t>
+            </a:r>
+            <a:r>
+              <a:rPr lang="de-AT" dirty="0"/>
+              <a:t>/</a:t>
+            </a:r>
+            <a:r>
+              <a:rPr lang="de-AT" dirty="0" err="1"/>
+              <a:t>tt</a:t>
+            </a:r>
+            <a:r>
+              <a:rPr lang="de-AT" dirty="0"/>
+              <a:t>/ff</a:t>
+            </a:r>
           </a:p>
         </p:txBody>
       </p:sp>
@@ -17175,6 +17842,41 @@
           </a:p>
         </p:txBody>
       </p:sp>
+      <p:pic>
+        <p:nvPicPr>
+          <p:cNvPr id="5" name="Inhaltsplatzhalter 7">
+            <a:extLst>
+              <a:ext uri="{FF2B5EF4-FFF2-40B4-BE49-F238E27FC236}">
+                <a16:creationId xmlns:a16="http://schemas.microsoft.com/office/drawing/2014/main" id="{7BDA62BA-EFAF-6C3C-8F43-5723D4C8F659}"/>
+              </a:ext>
+            </a:extLst>
+          </p:cNvPr>
+          <p:cNvPicPr>
+            <a:picLocks noChangeAspect="1"/>
+          </p:cNvPicPr>
+          <p:nvPr/>
+        </p:nvPicPr>
+        <p:blipFill rotWithShape="1">
+          <a:blip r:embed="rId2">
+            <a:extLst>
+              <a:ext uri="{28A0092B-C50C-407E-A947-70E740481C1C}">
+                <a14:useLocalDpi xmlns:a14="http://schemas.microsoft.com/office/drawing/2010/main" val="0"/>
+              </a:ext>
+            </a:extLst>
+          </a:blip>
+          <a:srcRect l="33249" t="65503" r="29185" b="4433"/>
+          <a:stretch/>
+        </p:blipFill>
+        <p:spPr>
+          <a:xfrm>
+            <a:off x="5562380" y="3429001"/>
+            <a:ext cx="6047620" cy="2208320"/>
+          </a:xfrm>
+          <a:prstGeom prst="rect">
+            <a:avLst/>
+          </a:prstGeom>
+        </p:spPr>
+      </p:pic>
     </p:spTree>
     <p:extLst>
       <p:ext uri="{BB962C8B-B14F-4D97-AF65-F5344CB8AC3E}">
@@ -17262,7 +17964,75 @@
           <a:bodyPr/>
           <a:lstStyle/>
           <a:p>
-            <a:endParaRPr lang="de-AT"/>
+            <a:pPr>
+              <a:lnSpc>
+                <a:spcPct val="200000"/>
+              </a:lnSpc>
+            </a:pPr>
+            <a:r>
+              <a:rPr lang="de-AT" dirty="0" err="1"/>
+              <a:t>Symmetrical</a:t>
+            </a:r>
+            <a:r>
+              <a:rPr lang="de-AT" dirty="0"/>
+              <a:t> OTA </a:t>
+            </a:r>
+            <a:r>
+              <a:rPr lang="de-AT" dirty="0" err="1"/>
+              <a:t>for</a:t>
+            </a:r>
+            <a:r>
+              <a:rPr lang="de-AT" dirty="0"/>
+              <a:t> </a:t>
+            </a:r>
+            <a:r>
+              <a:rPr lang="de-AT" dirty="0" err="1"/>
+              <a:t>charging</a:t>
+            </a:r>
+            <a:r>
+              <a:rPr lang="de-AT" dirty="0"/>
+              <a:t>/</a:t>
+            </a:r>
+            <a:r>
+              <a:rPr lang="de-AT" dirty="0" err="1"/>
+              <a:t>discharging</a:t>
+            </a:r>
+            <a:r>
+              <a:rPr lang="de-AT" dirty="0"/>
+              <a:t> </a:t>
+            </a:r>
+            <a:r>
+              <a:rPr lang="de-AT" dirty="0" err="1"/>
+              <a:t>Capacitance</a:t>
+            </a:r>
+            <a:endParaRPr lang="de-AT" dirty="0"/>
+          </a:p>
+          <a:p>
+            <a:pPr>
+              <a:lnSpc>
+                <a:spcPct val="200000"/>
+              </a:lnSpc>
+            </a:pPr>
+            <a:r>
+              <a:rPr lang="de-AT" dirty="0"/>
+              <a:t>Switches </a:t>
+            </a:r>
+            <a:r>
+              <a:rPr lang="de-AT" dirty="0" err="1"/>
+              <a:t>realized</a:t>
+            </a:r>
+            <a:r>
+              <a:rPr lang="de-AT" dirty="0"/>
+              <a:t> </a:t>
+            </a:r>
+            <a:r>
+              <a:rPr lang="de-AT" dirty="0" err="1"/>
+              <a:t>as</a:t>
+            </a:r>
+            <a:r>
+              <a:rPr lang="de-AT" dirty="0"/>
+              <a:t> T-gates</a:t>
+            </a:r>
           </a:p>
         </p:txBody>
       </p:sp>
@@ -17291,6 +18061,41 @@
           </a:p>
         </p:txBody>
       </p:sp>
+      <p:pic>
+        <p:nvPicPr>
+          <p:cNvPr id="5" name="Inhaltsplatzhalter 7">
+            <a:extLst>
+              <a:ext uri="{FF2B5EF4-FFF2-40B4-BE49-F238E27FC236}">
+                <a16:creationId xmlns:a16="http://schemas.microsoft.com/office/drawing/2014/main" id="{7A4885EC-E516-EC6D-F182-29A2365EFC4A}"/>
+              </a:ext>
+            </a:extLst>
+          </p:cNvPr>
+          <p:cNvPicPr>
+            <a:picLocks noChangeAspect="1"/>
+          </p:cNvPicPr>
+          <p:nvPr/>
+        </p:nvPicPr>
+        <p:blipFill rotWithShape="1">
+          <a:blip r:embed="rId2">
+            <a:extLst>
+              <a:ext uri="{28A0092B-C50C-407E-A947-70E740481C1C}">
+                <a14:useLocalDpi xmlns:a14="http://schemas.microsoft.com/office/drawing/2010/main" val="0"/>
+              </a:ext>
+            </a:extLst>
+          </a:blip>
+          <a:srcRect l="10475" t="26204" r="62807" b="35480"/>
+          <a:stretch/>
+        </p:blipFill>
+        <p:spPr>
+          <a:xfrm>
+            <a:off x="7623925" y="1918524"/>
+            <a:ext cx="3986075" cy="2608336"/>
+          </a:xfrm>
+          <a:prstGeom prst="rect">
+            <a:avLst/>
+          </a:prstGeom>
+        </p:spPr>
+      </p:pic>
     </p:spTree>
     <p:extLst>
       <p:ext uri="{BB962C8B-B14F-4D97-AF65-F5344CB8AC3E}">
@@ -17391,7 +18196,128 @@
           <a:bodyPr/>
           <a:lstStyle/>
           <a:p>
-            <a:endParaRPr lang="de-AT"/>
+            <a:pPr>
+              <a:lnSpc>
+                <a:spcPct val="200000"/>
+              </a:lnSpc>
+            </a:pPr>
+            <a:r>
+              <a:rPr lang="de-AT" dirty="0"/>
+              <a:t>Custom div2 </a:t>
+            </a:r>
+            <a:r>
+              <a:rPr lang="de-AT" dirty="0" err="1"/>
+              <a:t>frequency</a:t>
+            </a:r>
+            <a:r>
+              <a:rPr lang="de-AT" dirty="0"/>
+              <a:t> </a:t>
+            </a:r>
+            <a:r>
+              <a:rPr lang="de-AT" dirty="0" err="1"/>
+              <a:t>divider</a:t>
+            </a:r>
+            <a:r>
+              <a:rPr lang="de-AT" dirty="0"/>
+              <a:t> </a:t>
+            </a:r>
+            <a:r>
+              <a:rPr lang="de-AT" dirty="0" err="1"/>
+              <a:t>for</a:t>
+            </a:r>
+            <a:r>
+              <a:rPr lang="de-AT" dirty="0"/>
+              <a:t> VCO </a:t>
+            </a:r>
+            <a:r>
+              <a:rPr lang="de-AT" dirty="0" err="1"/>
+              <a:t>output</a:t>
+            </a:r>
+            <a:endParaRPr lang="de-AT" dirty="0"/>
+          </a:p>
+          <a:p>
+            <a:pPr>
+              <a:lnSpc>
+                <a:spcPct val="200000"/>
+              </a:lnSpc>
+            </a:pPr>
+            <a:r>
+              <a:rPr lang="de-AT" dirty="0" err="1"/>
+              <a:t>Programmable</a:t>
+            </a:r>
+            <a:r>
+              <a:rPr lang="de-AT" dirty="0"/>
+              <a:t> </a:t>
+            </a:r>
+            <a:r>
+              <a:rPr lang="de-AT" dirty="0" err="1"/>
+              <a:t>frequency</a:t>
+            </a:r>
+            <a:r>
+              <a:rPr lang="de-AT" dirty="0"/>
+              <a:t> </a:t>
+            </a:r>
+            <a:r>
+              <a:rPr lang="de-AT" dirty="0" err="1"/>
+              <a:t>divider</a:t>
+            </a:r>
+            <a:r>
+              <a:rPr lang="de-AT" dirty="0"/>
+              <a:t> </a:t>
+            </a:r>
+            <a:r>
+              <a:rPr lang="de-AT" dirty="0" err="1"/>
+              <a:t>for</a:t>
+            </a:r>
+            <a:r>
+              <a:rPr lang="de-AT" dirty="0"/>
+              <a:t> </a:t>
+            </a:r>
+            <a:r>
+              <a:rPr lang="de-AT" dirty="0" err="1"/>
+              <a:t>reference</a:t>
+            </a:r>
+            <a:r>
+              <a:rPr lang="de-AT" dirty="0"/>
+              <a:t> </a:t>
+            </a:r>
+            <a:r>
+              <a:rPr lang="de-AT" dirty="0" err="1"/>
+              <a:t>input</a:t>
+            </a:r>
+            <a:endParaRPr lang="de-AT" dirty="0"/>
+          </a:p>
+          <a:p>
+            <a:pPr>
+              <a:lnSpc>
+                <a:spcPct val="200000"/>
+              </a:lnSpc>
+            </a:pPr>
+            <a:r>
+              <a:rPr lang="de-AT" dirty="0"/>
+              <a:t>Buffers </a:t>
+            </a:r>
+            <a:r>
+              <a:rPr lang="de-AT" dirty="0" err="1"/>
+              <a:t>layouted</a:t>
+            </a:r>
+            <a:r>
+              <a:rPr lang="de-AT" dirty="0"/>
+              <a:t> in </a:t>
+            </a:r>
+            <a:r>
+              <a:rPr lang="de-AT" dirty="0" err="1"/>
+              <a:t>standard</a:t>
+            </a:r>
+            <a:r>
+              <a:rPr lang="de-AT" dirty="0"/>
+              <a:t> </a:t>
+            </a:r>
+            <a:r>
+              <a:rPr lang="de-AT" dirty="0" err="1"/>
+              <a:t>sizes</a:t>
+            </a:r>
+            <a:endParaRPr lang="de-AT" dirty="0"/>
           </a:p>
         </p:txBody>
       </p:sp>
@@ -17420,6 +18346,36 @@
           </a:p>
         </p:txBody>
       </p:sp>
+      <p:pic>
+        <p:nvPicPr>
+          <p:cNvPr id="6" name="Grafik 5">
+            <a:extLst>
+              <a:ext uri="{FF2B5EF4-FFF2-40B4-BE49-F238E27FC236}">
+                <a16:creationId xmlns:a16="http://schemas.microsoft.com/office/drawing/2014/main" id="{E646B053-D97E-EF04-9206-F7D6CA0F4F47}"/>
+              </a:ext>
+            </a:extLst>
+          </p:cNvPr>
+          <p:cNvPicPr>
+            <a:picLocks noChangeAspect="1"/>
+          </p:cNvPicPr>
+          <p:nvPr/>
+        </p:nvPicPr>
+        <p:blipFill>
+          <a:blip r:embed="rId2"/>
+          <a:stretch>
+            <a:fillRect/>
+          </a:stretch>
+        </p:blipFill>
+        <p:spPr>
+          <a:xfrm>
+            <a:off x="4660610" y="3185481"/>
+            <a:ext cx="6949390" cy="2877968"/>
+          </a:xfrm>
+          <a:prstGeom prst="rect">
+            <a:avLst/>
+          </a:prstGeom>
+        </p:spPr>
+      </p:pic>
     </p:spTree>
     <p:extLst>
       <p:ext uri="{BB962C8B-B14F-4D97-AF65-F5344CB8AC3E}">
